--- a/ObjectOrientedBasic/オブジェクト指向概説.pptx
+++ b/ObjectOrientedBasic/オブジェクト指向概説.pptx
@@ -5,10 +5,10 @@
     <p:sldMasterId id="2147483648" r:id="rId1"/>
   </p:sldMasterIdLst>
   <p:notesMasterIdLst>
-    <p:notesMasterId r:id="rId22"/>
+    <p:notesMasterId r:id="rId20"/>
   </p:notesMasterIdLst>
   <p:handoutMasterIdLst>
-    <p:handoutMasterId r:id="rId23"/>
+    <p:handoutMasterId r:id="rId21"/>
   </p:handoutMasterIdLst>
   <p:sldIdLst>
     <p:sldId id="256" r:id="rId3"/>
@@ -28,8 +28,6 @@
     <p:sldId id="285" r:id="rId17"/>
     <p:sldId id="287" r:id="rId18"/>
     <p:sldId id="291" r:id="rId19"/>
-    <p:sldId id="259" r:id="rId20"/>
-    <p:sldId id="261" r:id="rId21"/>
   </p:sldIdLst>
   <p:sldSz cx="12192000" cy="6858000"/>
   <p:notesSz cx="6858000" cy="9144000"/>
@@ -3643,7 +3641,7 @@
                 <a:ea typeface="Meiryo UI" panose="020B0604030504040204" charset="-128"/>
                 <a:cs typeface="Meiryo UI" panose="020B0604030504040204" charset="-128"/>
               </a:rPr>
-              <a:t>2025.01.19 </a:t>
+              <a:t>2025.02.02 </a:t>
             </a:r>
             <a:r>
               <a:rPr lang="ja-JP" altLang="en-US">
@@ -9977,295 +9975,6 @@
 </p:sld>
 </file>
 
-<file path=ppt/slides/slide18.xml><?xml version="1.0" encoding="utf-8"?>
-<p:sld xmlns:a="http://schemas.openxmlformats.org/drawingml/2006/main" xmlns:r="http://schemas.openxmlformats.org/officeDocument/2006/relationships" xmlns:p="http://schemas.openxmlformats.org/presentationml/2006/main">
-  <p:cSld>
-    <p:spTree>
-      <p:nvGrpSpPr>
-        <p:cNvPr id="1" name=""/>
-        <p:cNvGrpSpPr/>
-        <p:nvPr/>
-      </p:nvGrpSpPr>
-      <p:grpSpPr/>
-      <p:sp>
-        <p:nvSpPr>
-          <p:cNvPr id="2" name="タイトル 1"/>
-          <p:cNvSpPr>
-            <a:spLocks noGrp="1"/>
-          </p:cNvSpPr>
-          <p:nvPr>
-            <p:ph type="title"/>
-          </p:nvPr>
-        </p:nvSpPr>
-        <p:spPr>
-          <a:xfrm>
-            <a:off x="828675" y="365125"/>
-            <a:ext cx="10515600" cy="1325563"/>
-          </a:xfrm>
-        </p:spPr>
-        <p:txBody>
-          <a:bodyPr/>
-          <a:p>
-            <a:r>
-              <a:rPr lang="ja-JP" altLang="en-US">
-                <a:latin typeface="Meiryo UI" panose="020B0604030504040204" charset="-128"/>
-                <a:ea typeface="Meiryo UI" panose="020B0604030504040204" charset="-128"/>
-              </a:rPr>
-              <a:t>デザインパターンとは</a:t>
-            </a:r>
-            <a:endParaRPr lang="ja-JP" altLang="en-US">
-              <a:latin typeface="Meiryo UI" panose="020B0604030504040204" charset="-128"/>
-              <a:ea typeface="Meiryo UI" panose="020B0604030504040204" charset="-128"/>
-            </a:endParaRPr>
-          </a:p>
-        </p:txBody>
-      </p:sp>
-      <p:sp>
-        <p:nvSpPr>
-          <p:cNvPr id="3" name="コンテンツプレースホルダ 2"/>
-          <p:cNvSpPr>
-            <a:spLocks noGrp="1"/>
-          </p:cNvSpPr>
-          <p:nvPr>
-            <p:ph idx="1"/>
-          </p:nvPr>
-        </p:nvSpPr>
-        <p:spPr>
-          <a:xfrm>
-            <a:off x="828675" y="1825625"/>
-            <a:ext cx="10515600" cy="4351338"/>
-          </a:xfrm>
-        </p:spPr>
-        <p:txBody>
-          <a:bodyPr/>
-          <a:p>
-            <a:r>
-              <a:rPr lang="ja-JP" altLang="en-US">
-                <a:latin typeface="Meiryo UI" panose="020B0604030504040204" charset="-128"/>
-                <a:ea typeface="Meiryo UI" panose="020B0604030504040204" charset="-128"/>
-                <a:cs typeface="Meiryo UI" panose="020B0604030504040204" charset="-128"/>
-              </a:rPr>
-              <a:t>過去のソフトウェア設計者が構築した設計ノウハウをパターン</a:t>
-            </a:r>
-            <a:r>
-              <a:rPr lang="en-US" altLang="ja-JP">
-                <a:latin typeface="Meiryo UI" panose="020B0604030504040204" charset="-128"/>
-                <a:ea typeface="Meiryo UI" panose="020B0604030504040204" charset="-128"/>
-                <a:cs typeface="Meiryo UI" panose="020B0604030504040204" charset="-128"/>
-              </a:rPr>
-              <a:t>(</a:t>
-            </a:r>
-            <a:r>
-              <a:rPr lang="ja-JP" altLang="en-US">
-                <a:latin typeface="Meiryo UI" panose="020B0604030504040204" charset="-128"/>
-                <a:ea typeface="Meiryo UI" panose="020B0604030504040204" charset="-128"/>
-                <a:cs typeface="Meiryo UI" panose="020B0604030504040204" charset="-128"/>
-              </a:rPr>
-              <a:t>型</a:t>
-            </a:r>
-            <a:r>
-              <a:rPr lang="en-US" altLang="ja-JP">
-                <a:latin typeface="Meiryo UI" panose="020B0604030504040204" charset="-128"/>
-                <a:ea typeface="Meiryo UI" panose="020B0604030504040204" charset="-128"/>
-                <a:cs typeface="Meiryo UI" panose="020B0604030504040204" charset="-128"/>
-              </a:rPr>
-              <a:t>)</a:t>
-            </a:r>
-            <a:r>
-              <a:rPr lang="ja-JP" altLang="en-US">
-                <a:latin typeface="Meiryo UI" panose="020B0604030504040204" charset="-128"/>
-                <a:ea typeface="Meiryo UI" panose="020B0604030504040204" charset="-128"/>
-                <a:cs typeface="Meiryo UI" panose="020B0604030504040204" charset="-128"/>
-              </a:rPr>
-              <a:t>にしてまとめたもの。</a:t>
-            </a:r>
-            <a:endParaRPr lang="ja-JP" altLang="en-US">
-              <a:latin typeface="Meiryo UI" panose="020B0604030504040204" charset="-128"/>
-              <a:ea typeface="Meiryo UI" panose="020B0604030504040204" charset="-128"/>
-              <a:cs typeface="Meiryo UI" panose="020B0604030504040204" charset="-128"/>
-            </a:endParaRPr>
-          </a:p>
-          <a:p>
-            <a:r>
-              <a:rPr lang="ja-JP" altLang="en-US">
-                <a:latin typeface="Meiryo UI" panose="020B0604030504040204" charset="-128"/>
-                <a:ea typeface="Meiryo UI" panose="020B0604030504040204" charset="-128"/>
-                <a:cs typeface="Meiryo UI" panose="020B0604030504040204" charset="-128"/>
-              </a:rPr>
-              <a:t>デザインパターンはオブジェクト指向を有効に使うために作られたものである。</a:t>
-            </a:r>
-            <a:endParaRPr lang="ja-JP" altLang="en-US">
-              <a:latin typeface="Meiryo UI" panose="020B0604030504040204" charset="-128"/>
-              <a:ea typeface="Meiryo UI" panose="020B0604030504040204" charset="-128"/>
-              <a:cs typeface="Meiryo UI" panose="020B0604030504040204" charset="-128"/>
-            </a:endParaRPr>
-          </a:p>
-          <a:p>
-            <a:r>
-              <a:rPr lang="ja-JP" altLang="en-US">
-                <a:latin typeface="Meiryo UI" panose="020B0604030504040204" charset="-128"/>
-                <a:ea typeface="Meiryo UI" panose="020B0604030504040204" charset="-128"/>
-                <a:cs typeface="Meiryo UI" panose="020B0604030504040204" charset="-128"/>
-              </a:rPr>
-              <a:t>デザインパターンとしてまとめられているものにもいくつか種類がある。最も有名なものは</a:t>
-            </a:r>
-            <a:r>
-              <a:rPr lang="en-US" altLang="ja-JP">
-                <a:latin typeface="Meiryo UI" panose="020B0604030504040204" charset="-128"/>
-                <a:ea typeface="Meiryo UI" panose="020B0604030504040204" charset="-128"/>
-                <a:cs typeface="Meiryo UI" panose="020B0604030504040204" charset="-128"/>
-              </a:rPr>
-              <a:t>”GoF”</a:t>
-            </a:r>
-            <a:r>
-              <a:rPr lang="ja-JP" altLang="en-US">
-                <a:latin typeface="Meiryo UI" panose="020B0604030504040204" charset="-128"/>
-                <a:ea typeface="Meiryo UI" panose="020B0604030504040204" charset="-128"/>
-                <a:cs typeface="Meiryo UI" panose="020B0604030504040204" charset="-128"/>
-              </a:rPr>
-              <a:t>と呼ばれるデザインパターンである。</a:t>
-            </a:r>
-            <a:endParaRPr lang="ja-JP" altLang="en-US">
-              <a:latin typeface="Meiryo UI" panose="020B0604030504040204" charset="-128"/>
-              <a:ea typeface="Meiryo UI" panose="020B0604030504040204" charset="-128"/>
-              <a:cs typeface="Meiryo UI" panose="020B0604030504040204" charset="-128"/>
-            </a:endParaRPr>
-          </a:p>
-        </p:txBody>
-      </p:sp>
-    </p:spTree>
-  </p:cSld>
-  <p:clrMapOvr>
-    <a:masterClrMapping/>
-  </p:clrMapOvr>
-</p:sld>
-</file>
-
-<file path=ppt/slides/slide19.xml><?xml version="1.0" encoding="utf-8"?>
-<p:sld xmlns:a="http://schemas.openxmlformats.org/drawingml/2006/main" xmlns:r="http://schemas.openxmlformats.org/officeDocument/2006/relationships" xmlns:p="http://schemas.openxmlformats.org/presentationml/2006/main">
-  <p:cSld>
-    <p:spTree>
-      <p:nvGrpSpPr>
-        <p:cNvPr id="1" name=""/>
-        <p:cNvGrpSpPr/>
-        <p:nvPr/>
-      </p:nvGrpSpPr>
-      <p:grpSpPr/>
-      <p:sp>
-        <p:nvSpPr>
-          <p:cNvPr id="2" name="タイトル 1"/>
-          <p:cNvSpPr>
-            <a:spLocks noGrp="1"/>
-          </p:cNvSpPr>
-          <p:nvPr>
-            <p:ph type="title"/>
-          </p:nvPr>
-        </p:nvSpPr>
-        <p:spPr/>
-        <p:txBody>
-          <a:bodyPr/>
-          <a:p>
-            <a:r>
-              <a:rPr lang="ja-JP" altLang="en-US">
-                <a:latin typeface="Meiryo UI" panose="020B0604030504040204" charset="-128"/>
-                <a:ea typeface="Meiryo UI" panose="020B0604030504040204" charset="-128"/>
-              </a:rPr>
-              <a:t>デザインパターンを学ぶとどうなる</a:t>
-            </a:r>
-            <a:r>
-              <a:rPr lang="ja-JP" altLang="en-US">
-                <a:latin typeface="Meiryo UI" panose="020B0604030504040204" charset="-128"/>
-                <a:ea typeface="Meiryo UI" panose="020B0604030504040204" charset="-128"/>
-              </a:rPr>
-              <a:t>？</a:t>
-            </a:r>
-            <a:endParaRPr lang="ja-JP" altLang="en-US">
-              <a:latin typeface="Meiryo UI" panose="020B0604030504040204" charset="-128"/>
-              <a:ea typeface="Meiryo UI" panose="020B0604030504040204" charset="-128"/>
-            </a:endParaRPr>
-          </a:p>
-        </p:txBody>
-      </p:sp>
-      <p:sp>
-        <p:nvSpPr>
-          <p:cNvPr id="4" name="コンテンツプレースホルダ 3"/>
-          <p:cNvSpPr>
-            <a:spLocks noGrp="1"/>
-          </p:cNvSpPr>
-          <p:nvPr>
-            <p:ph idx="1"/>
-          </p:nvPr>
-        </p:nvSpPr>
-        <p:spPr/>
-        <p:txBody>
-          <a:bodyPr/>
-          <a:p>
-            <a:r>
-              <a:rPr lang="ja-JP" altLang="en-US">
-                <a:latin typeface="Meiryo UI" panose="020B0604030504040204" charset="-128"/>
-                <a:ea typeface="Meiryo UI" panose="020B0604030504040204" charset="-128"/>
-                <a:cs typeface="Meiryo UI" panose="020B0604030504040204" charset="-128"/>
-                <a:sym typeface="+mn-ea"/>
-              </a:rPr>
-              <a:t>デザインパターンにはオブジェクト指向言語をどんな感じでうまく使ってプログラミングしていくかというノウハウが詰まっているため、デザインパターンを学ぶ</a:t>
-            </a:r>
-            <a:r>
-              <a:rPr lang="en-US" altLang="ja-JP">
-                <a:latin typeface="Meiryo UI" panose="020B0604030504040204" charset="-128"/>
-                <a:ea typeface="Meiryo UI" panose="020B0604030504040204" charset="-128"/>
-                <a:cs typeface="Meiryo UI" panose="020B0604030504040204" charset="-128"/>
-                <a:sym typeface="+mn-ea"/>
-              </a:rPr>
-              <a:t>=</a:t>
-            </a:r>
-            <a:r>
-              <a:rPr lang="ja-JP" altLang="en-US">
-                <a:latin typeface="Meiryo UI" panose="020B0604030504040204" charset="-128"/>
-                <a:ea typeface="Meiryo UI" panose="020B0604030504040204" charset="-128"/>
-                <a:cs typeface="Meiryo UI" panose="020B0604030504040204" charset="-128"/>
-                <a:sym typeface="+mn-ea"/>
-              </a:rPr>
-              <a:t>オブジェクト指向の有効な使い方を学ぶということになる。</a:t>
-            </a:r>
-            <a:endParaRPr lang="ja-JP" altLang="en-US">
-              <a:latin typeface="Meiryo UI" panose="020B0604030504040204" charset="-128"/>
-              <a:ea typeface="Meiryo UI" panose="020B0604030504040204" charset="-128"/>
-              <a:cs typeface="Meiryo UI" panose="020B0604030504040204" charset="-128"/>
-            </a:endParaRPr>
-          </a:p>
-          <a:p>
-            <a:r>
-              <a:rPr lang="ja-JP" altLang="en-US">
-                <a:latin typeface="Meiryo UI" panose="020B0604030504040204" charset="-128"/>
-                <a:ea typeface="Meiryo UI" panose="020B0604030504040204" charset="-128"/>
-                <a:cs typeface="Meiryo UI" panose="020B0604030504040204" charset="-128"/>
-                <a:sym typeface="+mn-ea"/>
-              </a:rPr>
-              <a:t>パターンをより多く知っておくことで、ソフトウェア設計の現場で多くのパターンの中から最も有効なものを選択できるようになる。</a:t>
-            </a:r>
-            <a:endParaRPr lang="ja-JP" altLang="en-US">
-              <a:latin typeface="Meiryo UI" panose="020B0604030504040204" charset="-128"/>
-              <a:ea typeface="Meiryo UI" panose="020B0604030504040204" charset="-128"/>
-              <a:cs typeface="Meiryo UI" panose="020B0604030504040204" charset="-128"/>
-            </a:endParaRPr>
-          </a:p>
-          <a:p>
-            <a:endParaRPr lang="ja-JP" altLang="en-US">
-              <a:latin typeface="Meiryo UI" panose="020B0604030504040204" charset="-128"/>
-              <a:ea typeface="Meiryo UI" panose="020B0604030504040204" charset="-128"/>
-              <a:cs typeface="Meiryo UI" panose="020B0604030504040204" charset="-128"/>
-            </a:endParaRPr>
-          </a:p>
-        </p:txBody>
-      </p:sp>
-    </p:spTree>
-  </p:cSld>
-  <p:clrMapOvr>
-    <a:masterClrMapping/>
-  </p:clrMapOvr>
-</p:sld>
-</file>
-
 <file path=ppt/slides/slide2.xml><?xml version="1.0" encoding="utf-8"?>
 <p:sld xmlns:a="http://schemas.openxmlformats.org/drawingml/2006/main" xmlns:r="http://schemas.openxmlformats.org/officeDocument/2006/relationships" xmlns:p="http://schemas.openxmlformats.org/presentationml/2006/main">
   <p:cSld>
@@ -10378,39 +10087,6 @@
                 <a:ea typeface="Meiryo UI" panose="020B0604030504040204" charset="-128"/>
               </a:rPr>
               <a:t>原則</a:t>
-            </a:r>
-            <a:endParaRPr lang="ja-JP" altLang="en-US">
-              <a:latin typeface="Meiryo UI" panose="020B0604030504040204" charset="-128"/>
-              <a:ea typeface="Meiryo UI" panose="020B0604030504040204" charset="-128"/>
-            </a:endParaRPr>
-          </a:p>
-          <a:p>
-            <a:r>
-              <a:rPr lang="ja-JP" altLang="en-US">
-                <a:latin typeface="Meiryo UI" panose="020B0604030504040204" charset="-128"/>
-                <a:ea typeface="Meiryo UI" panose="020B0604030504040204" charset="-128"/>
-              </a:rPr>
-              <a:t>デザインパターンとは</a:t>
-            </a:r>
-            <a:endParaRPr lang="ja-JP" altLang="en-US">
-              <a:latin typeface="Meiryo UI" panose="020B0604030504040204" charset="-128"/>
-              <a:ea typeface="Meiryo UI" panose="020B0604030504040204" charset="-128"/>
-            </a:endParaRPr>
-          </a:p>
-          <a:p>
-            <a:r>
-              <a:rPr lang="ja-JP" altLang="en-US">
-                <a:latin typeface="Meiryo UI" panose="020B0604030504040204" charset="-128"/>
-                <a:ea typeface="Meiryo UI" panose="020B0604030504040204" charset="-128"/>
-              </a:rPr>
-              <a:t>デザインパターンを学ぶ</a:t>
-            </a:r>
-            <a:r>
-              <a:rPr lang="ja-JP" altLang="en-US">
-                <a:latin typeface="Meiryo UI" panose="020B0604030504040204" charset="-128"/>
-                <a:ea typeface="Meiryo UI" panose="020B0604030504040204" charset="-128"/>
-              </a:rPr>
-              <a:t>ことのメリット</a:t>
             </a:r>
             <a:endParaRPr lang="ja-JP" altLang="en-US">
               <a:latin typeface="Meiryo UI" panose="020B0604030504040204" charset="-128"/>
